--- a/Docs/Air Sensor.pptx
+++ b/Docs/Air Sensor.pptx
@@ -3919,8 +3919,12 @@
               <a:t>Moongose</a:t>
             </a:r>
             <a:r>
+              <a:rPr lang="en-US" smtClean="0"/>
+              <a:t> modules. Mongo </a:t>
+            </a:r>
+            <a:r>
               <a:rPr lang="en-US" dirty="0" smtClean="0"/>
-              <a:t> modules and Mongo DB for storage</a:t>
+              <a:t>DB for storage</a:t>
             </a:r>
           </a:p>
           <a:p>
